--- a/Presentation.pptx
+++ b/Presentation.pptx
@@ -110,7 +110,65 @@
       </a:defRPr>
     </a:lvl9pPr>
   </p:defaultTextStyle>
+  <p:extLst>
+    <p:ext uri="{EFAFB233-063F-42B5-8137-9DF3F51BA10A}">
+      <p15:sldGuideLst xmlns:p15="http://schemas.microsoft.com/office/powerpoint/2012/main"/>
+    </p:ext>
+  </p:extLst>
 </p:presentation>
+</file>
+
+<file path=ppt/revisionInfo.xml><?xml version="1.0" encoding="utf-8"?>
+<p1510:revInfo xmlns:a="http://schemas.openxmlformats.org/drawingml/2006/main" xmlns:r="http://schemas.openxmlformats.org/officeDocument/2006/relationships" xmlns:p1510="http://schemas.microsoft.com/office/powerpoint/2015/10/main">
+  <p1510:revLst>
+    <p1510:client id="{3C267022-CDC8-7B47-AA77-1C438FA315AF}" v="2" dt="2023-06-13T22:33:42.855"/>
+  </p1510:revLst>
+</p1510:revInfo>
+</file>
+
+<file path=ppt/changesInfos/changesInfo1.xml><?xml version="1.0" encoding="utf-8"?>
+<pc:chgInfo xmlns:a="http://schemas.openxmlformats.org/drawingml/2006/main" xmlns:r="http://schemas.openxmlformats.org/officeDocument/2006/relationships" xmlns:ac="http://schemas.microsoft.com/office/drawing/2013/main/command" xmlns:pc="http://schemas.microsoft.com/office/powerpoint/2013/main/command">
+  <pc:docChgLst>
+    <pc:chgData name="Ochirbat Munkhchuluun" userId="8eb7f6573351209f" providerId="LiveId" clId="{3C267022-CDC8-7B47-AA77-1C438FA315AF}"/>
+    <pc:docChg chg="custSel modSld">
+      <pc:chgData name="Ochirbat Munkhchuluun" userId="8eb7f6573351209f" providerId="LiveId" clId="{3C267022-CDC8-7B47-AA77-1C438FA315AF}" dt="2023-06-13T22:33:56.913" v="15" actId="1076"/>
+      <pc:docMkLst>
+        <pc:docMk/>
+      </pc:docMkLst>
+      <pc:sldChg chg="addSp delSp modSp mod">
+        <pc:chgData name="Ochirbat Munkhchuluun" userId="8eb7f6573351209f" providerId="LiveId" clId="{3C267022-CDC8-7B47-AA77-1C438FA315AF}" dt="2023-06-13T22:33:56.913" v="15" actId="1076"/>
+        <pc:sldMkLst>
+          <pc:docMk/>
+          <pc:sldMk cId="531142299" sldId="258"/>
+        </pc:sldMkLst>
+        <pc:picChg chg="add del mod">
+          <ac:chgData name="Ochirbat Munkhchuluun" userId="8eb7f6573351209f" providerId="LiveId" clId="{3C267022-CDC8-7B47-AA77-1C438FA315AF}" dt="2023-06-13T22:33:18.462" v="7" actId="478"/>
+          <ac:picMkLst>
+            <pc:docMk/>
+            <pc:sldMk cId="531142299" sldId="258"/>
+            <ac:picMk id="4" creationId="{E3233844-9B4E-D648-148A-CE744FBED78A}"/>
+          </ac:picMkLst>
+        </pc:picChg>
+        <pc:picChg chg="del">
+          <ac:chgData name="Ochirbat Munkhchuluun" userId="8eb7f6573351209f" providerId="LiveId" clId="{3C267022-CDC8-7B47-AA77-1C438FA315AF}" dt="2023-06-13T20:33:13.218" v="0" actId="478"/>
+          <ac:picMkLst>
+            <pc:docMk/>
+            <pc:sldMk cId="531142299" sldId="258"/>
+            <ac:picMk id="5" creationId="{9E2C34B0-105E-E2A6-1F49-75A2236AA854}"/>
+          </ac:picMkLst>
+        </pc:picChg>
+        <pc:picChg chg="add mod">
+          <ac:chgData name="Ochirbat Munkhchuluun" userId="8eb7f6573351209f" providerId="LiveId" clId="{3C267022-CDC8-7B47-AA77-1C438FA315AF}" dt="2023-06-13T22:33:56.913" v="15" actId="1076"/>
+          <ac:picMkLst>
+            <pc:docMk/>
+            <pc:sldMk cId="531142299" sldId="258"/>
+            <ac:picMk id="7" creationId="{67E86C0B-4F80-5468-4AAF-3F4765D9B0BC}"/>
+          </ac:picMkLst>
+        </pc:picChg>
+      </pc:sldChg>
+    </pc:docChg>
+  </pc:docChgLst>
+</pc:chgInfo>
 </file>
 
 <file path=ppt/slideLayouts/slideLayout1.xml><?xml version="1.0" encoding="utf-8"?>
@@ -6272,10 +6330,10 @@
       </p:sp>
       <p:pic>
         <p:nvPicPr>
-          <p:cNvPr id="5" name="Picture 4" descr="A picture containing text, screenshot, font, design&#10;&#10;Description automatically generated">
-            <a:extLst>
-              <a:ext uri="{FF2B5EF4-FFF2-40B4-BE49-F238E27FC236}">
-                <a16:creationId xmlns:a16="http://schemas.microsoft.com/office/drawing/2014/main" id="{9E2C34B0-105E-E2A6-1F49-75A2236AA854}"/>
+          <p:cNvPr id="7" name="Picture 6" descr="A picture containing text, screenshot, rectangle, font&#10;&#10;Description automatically generated">
+            <a:extLst>
+              <a:ext uri="{FF2B5EF4-FFF2-40B4-BE49-F238E27FC236}">
+                <a16:creationId xmlns:a16="http://schemas.microsoft.com/office/drawing/2014/main" id="{67E86C0B-4F80-5468-4AAF-3F4765D9B0BC}"/>
               </a:ext>
             </a:extLst>
           </p:cNvPr>
@@ -6292,8 +6350,8 @@
         </p:blipFill>
         <p:spPr>
           <a:xfrm>
-            <a:off x="777241" y="1278026"/>
-            <a:ext cx="9438322" cy="5309056"/>
+            <a:off x="1200150" y="1220787"/>
+            <a:ext cx="9372600" cy="5272088"/>
           </a:xfrm>
           <a:prstGeom prst="rect">
             <a:avLst/>
